--- a/AJP Slides/AJP - Unit 3 - J2EE.pptx
+++ b/AJP Slides/AJP - Unit 3 - J2EE.pptx
@@ -139,7 +139,7 @@
   </p:defaultTextStyle>
   <p:extLst>
     <p:ext uri="{EFAFB233-063F-42B5-8137-9DF3F51BA10A}">
-      <p15:sldGuideLst xmlns:p15="http://schemas.microsoft.com/office/powerpoint/2012/main" xmlns="">
+      <p15:sldGuideLst xmlns="" xmlns:p15="http://schemas.microsoft.com/office/powerpoint/2012/main">
         <p15:guide id="1" orient="horz" pos="2160">
           <p15:clr>
             <a:srgbClr val="A4A3A4"/>
@@ -153,7 +153,7 @@
       </p15:sldGuideLst>
     </p:ext>
     <p:ext uri="{2D200454-40CA-4A62-9FC3-DE9A4176ACB9}">
-      <p15:notesGuideLst xmlns:p15="http://schemas.microsoft.com/office/powerpoint/2012/main" xmlns=""/>
+      <p15:notesGuideLst xmlns="" xmlns:p15="http://schemas.microsoft.com/office/powerpoint/2012/main"/>
     </p:ext>
   </p:extLst>
 </p:presentation>
@@ -241,7 +241,7 @@
           <a:p>
             <a:fld id="{EBCDB223-1744-4BBC-9844-9773C6B7C09F}" type="datetimeFigureOut">
               <a:rPr lang="en-IN" smtClean="0"/>
-              <a:t>07-08-2022</a:t>
+              <a:t>08-08-2022</a:t>
             </a:fld>
             <a:endParaRPr lang="en-IN"/>
           </a:p>
@@ -406,7 +406,7 @@
           <a:p>
             <a:fld id="{EA89CDE9-15B3-4418-B829-6A0B102FE7D6}" type="datetimeFigureOut">
               <a:rPr lang="en-IN" smtClean="0"/>
-              <a:t>07-08-2022</a:t>
+              <a:t>08-08-2022</a:t>
             </a:fld>
             <a:endParaRPr lang="en-IN"/>
           </a:p>
@@ -903,7 +903,7 @@
           <a:p>
             <a:fld id="{4610E68D-407F-4C0F-AEE8-3CF649B10F5A}" type="datetime1">
               <a:rPr lang="en-IN" smtClean="0"/>
-              <a:t>07-08-2022</a:t>
+              <a:t>08-08-2022</a:t>
             </a:fld>
             <a:endParaRPr lang="en-IN"/>
           </a:p>
@@ -1077,7 +1077,7 @@
           <a:p>
             <a:fld id="{735FDBA6-16AA-4029-938B-E23760E33E5C}" type="datetime1">
               <a:rPr lang="en-IN" smtClean="0"/>
-              <a:t>07-08-2022</a:t>
+              <a:t>08-08-2022</a:t>
             </a:fld>
             <a:endParaRPr lang="en-IN"/>
           </a:p>
@@ -1258,7 +1258,7 @@
           <a:p>
             <a:fld id="{41F0045F-1A7A-46BC-A0B2-4EC223ABD217}" type="datetime1">
               <a:rPr lang="en-IN" smtClean="0"/>
-              <a:t>07-08-2022</a:t>
+              <a:t>08-08-2022</a:t>
             </a:fld>
             <a:endParaRPr lang="en-IN"/>
           </a:p>
@@ -1429,7 +1429,7 @@
           <a:p>
             <a:fld id="{8851E00B-BE75-42AF-99FB-935A8AD73A1B}" type="datetime1">
               <a:rPr lang="en-IN" smtClean="0"/>
-              <a:t>07-08-2022</a:t>
+              <a:t>08-08-2022</a:t>
             </a:fld>
             <a:endParaRPr lang="en-IN"/>
           </a:p>
@@ -1691,7 +1691,7 @@
           <a:p>
             <a:fld id="{6E4009ED-909E-409F-BDB0-08FE570E7788}" type="datetime1">
               <a:rPr lang="en-IN" smtClean="0"/>
-              <a:t>07-08-2022</a:t>
+              <a:t>08-08-2022</a:t>
             </a:fld>
             <a:endParaRPr lang="en-IN"/>
           </a:p>
@@ -1980,7 +1980,7 @@
           <a:p>
             <a:fld id="{84BDD3DA-25F9-4752-A241-94C44457E7B3}" type="datetime1">
               <a:rPr lang="en-IN" smtClean="0"/>
-              <a:t>07-08-2022</a:t>
+              <a:t>08-08-2022</a:t>
             </a:fld>
             <a:endParaRPr lang="en-IN"/>
           </a:p>
@@ -2423,7 +2423,7 @@
           <a:p>
             <a:fld id="{80DBB5BB-D79D-4C06-A7CC-116F42C3B3E4}" type="datetime1">
               <a:rPr lang="en-IN" smtClean="0"/>
-              <a:t>07-08-2022</a:t>
+              <a:t>08-08-2022</a:t>
             </a:fld>
             <a:endParaRPr lang="en-IN"/>
           </a:p>
@@ -2542,7 +2542,7 @@
           <a:p>
             <a:fld id="{B0C54211-8216-4FF5-90B6-C8509AF3AB9C}" type="datetime1">
               <a:rPr lang="en-IN" smtClean="0"/>
-              <a:t>07-08-2022</a:t>
+              <a:t>08-08-2022</a:t>
             </a:fld>
             <a:endParaRPr lang="en-IN"/>
           </a:p>
@@ -2638,7 +2638,7 @@
           <a:p>
             <a:fld id="{CCCF9F98-4291-467F-AA56-DF72CF30793C}" type="datetime1">
               <a:rPr lang="en-IN" smtClean="0"/>
-              <a:t>07-08-2022</a:t>
+              <a:t>08-08-2022</a:t>
             </a:fld>
             <a:endParaRPr lang="en-IN"/>
           </a:p>
@@ -2927,7 +2927,7 @@
           <a:p>
             <a:fld id="{6D10A0F2-483C-45FC-8434-14AFCC55C208}" type="datetime1">
               <a:rPr lang="en-IN" smtClean="0"/>
-              <a:t>07-08-2022</a:t>
+              <a:t>08-08-2022</a:t>
             </a:fld>
             <a:endParaRPr lang="en-IN"/>
           </a:p>
@@ -3201,7 +3201,7 @@
           <a:p>
             <a:fld id="{BE52F045-0357-48F2-8EB6-A24633447161}" type="datetime1">
               <a:rPr lang="en-IN" smtClean="0"/>
-              <a:t>07-08-2022</a:t>
+              <a:t>08-08-2022</a:t>
             </a:fld>
             <a:endParaRPr lang="en-IN"/>
           </a:p>
@@ -3501,7 +3501,7 @@
           <a:p>
             <a:fld id="{DE290873-265D-46B2-9E77-D2477544299C}" type="datetime1">
               <a:rPr lang="en-IN" smtClean="0"/>
-              <a:t>07-08-2022</a:t>
+              <a:t>08-08-2022</a:t>
             </a:fld>
             <a:endParaRPr lang="en-IN"/>
           </a:p>
@@ -5548,6 +5548,13 @@
   <p:clrMapOvr>
     <a:masterClrMapping/>
   </p:clrMapOvr>
+  <p:timing>
+    <p:tnLst>
+      <p:par>
+        <p:cTn id="1" dur="indefinite" restart="never" nodeType="tmRoot"/>
+      </p:par>
+    </p:tnLst>
+  </p:timing>
 </p:sld>
 </file>
 
@@ -5720,6 +5727,13 @@
   <p:clrMapOvr>
     <a:masterClrMapping/>
   </p:clrMapOvr>
+  <p:timing>
+    <p:tnLst>
+      <p:par>
+        <p:cTn id="1" dur="indefinite" restart="never" nodeType="tmRoot"/>
+      </p:par>
+    </p:tnLst>
+  </p:timing>
 </p:sld>
 </file>
 
@@ -5996,6 +6010,13 @@
   <p:clrMapOvr>
     <a:masterClrMapping/>
   </p:clrMapOvr>
+  <p:timing>
+    <p:tnLst>
+      <p:par>
+        <p:cTn id="1" dur="indefinite" restart="never" nodeType="tmRoot"/>
+      </p:par>
+    </p:tnLst>
+  </p:timing>
 </p:sld>
 </file>
 
@@ -6177,6 +6198,13 @@
   <p:clrMapOvr>
     <a:masterClrMapping/>
   </p:clrMapOvr>
+  <p:timing>
+    <p:tnLst>
+      <p:par>
+        <p:cTn id="1" dur="indefinite" restart="never" nodeType="tmRoot"/>
+      </p:par>
+    </p:tnLst>
+  </p:timing>
 </p:sld>
 </file>
 
@@ -6202,10 +6230,10 @@
           <p:cNvPr id="2057" name="Rectangle 72">
             <a:extLst>
               <a:ext uri="{FF2B5EF4-FFF2-40B4-BE49-F238E27FC236}">
-                <a16:creationId xmlns="" xmlns:a16="http://schemas.microsoft.com/office/drawing/2014/main" id="{605A42EF-68E6-4808-81CD-E5ABD0ED92CA}"/>
+                <a16:creationId xmlns:a16="http://schemas.microsoft.com/office/drawing/2014/main" xmlns="" id="{605A42EF-68E6-4808-81CD-E5ABD0ED92CA}"/>
               </a:ext>
               <a:ext uri="{C183D7F6-B498-43B3-948B-1728B52AA6E4}">
-                <adec:decorative xmlns="" xmlns:adec="http://schemas.microsoft.com/office/drawing/2017/decorative" val="1"/>
+                <adec:decorative xmlns:adec="http://schemas.microsoft.com/office/drawing/2017/decorative" xmlns="" val="1"/>
               </a:ext>
             </a:extLst>
           </p:cNvPr>
@@ -6215,7 +6243,7 @@
           <p:nvPr>
             <p:extLst>
               <p:ext uri="{386F3935-93C4-4BCD-93E2-E3B085C9AB24}">
-                <p16:designElem xmlns="" xmlns:p16="http://schemas.microsoft.com/office/powerpoint/2015/main" val="1"/>
+                <p16:designElem xmlns:p16="http://schemas.microsoft.com/office/powerpoint/2015/main" xmlns="" val="1"/>
               </p:ext>
             </p:extLst>
           </p:nvPr>
@@ -6336,10 +6364,10 @@
           <p:cNvPr id="2061" name="Straight Connector 74">
             <a:extLst>
               <a:ext uri="{FF2B5EF4-FFF2-40B4-BE49-F238E27FC236}">
-                <a16:creationId xmlns="" xmlns:a16="http://schemas.microsoft.com/office/drawing/2014/main" id="{3C4A154E-1950-4755-A5FC-5998EE0CC14B}"/>
+                <a16:creationId xmlns:a16="http://schemas.microsoft.com/office/drawing/2014/main" xmlns="" id="{3C4A154E-1950-4755-A5FC-5998EE0CC14B}"/>
               </a:ext>
               <a:ext uri="{C183D7F6-B498-43B3-948B-1728B52AA6E4}">
-                <adec:decorative xmlns="" xmlns:adec="http://schemas.microsoft.com/office/drawing/2017/decorative" val="1"/>
+                <adec:decorative xmlns:adec="http://schemas.microsoft.com/office/drawing/2017/decorative" xmlns="" val="1"/>
               </a:ext>
             </a:extLst>
           </p:cNvPr>
@@ -6349,7 +6377,7 @@
           <p:nvPr>
             <p:extLst>
               <p:ext uri="{386F3935-93C4-4BCD-93E2-E3B085C9AB24}">
-                <p16:designElem xmlns="" xmlns:p16="http://schemas.microsoft.com/office/powerpoint/2015/main" val="1"/>
+                <p16:designElem xmlns:p16="http://schemas.microsoft.com/office/powerpoint/2015/main" xmlns="" val="1"/>
               </p:ext>
             </p:extLst>
           </p:nvPr>
@@ -6512,10 +6540,10 @@
           <p:cNvPr id="2065" name="Rectangle 76">
             <a:extLst>
               <a:ext uri="{FF2B5EF4-FFF2-40B4-BE49-F238E27FC236}">
-                <a16:creationId xmlns="" xmlns:a16="http://schemas.microsoft.com/office/drawing/2014/main" id="{3FE9C285-56FB-4B36-8ECA-C2D6596AA906}"/>
+                <a16:creationId xmlns:a16="http://schemas.microsoft.com/office/drawing/2014/main" xmlns="" id="{3FE9C285-56FB-4B36-8ECA-C2D6596AA906}"/>
               </a:ext>
               <a:ext uri="{C183D7F6-B498-43B3-948B-1728B52AA6E4}">
-                <adec:decorative xmlns="" xmlns:adec="http://schemas.microsoft.com/office/drawing/2017/decorative" val="1"/>
+                <adec:decorative xmlns:adec="http://schemas.microsoft.com/office/drawing/2017/decorative" xmlns="" val="1"/>
               </a:ext>
             </a:extLst>
           </p:cNvPr>
@@ -6525,7 +6553,7 @@
           <p:nvPr>
             <p:extLst>
               <p:ext uri="{386F3935-93C4-4BCD-93E2-E3B085C9AB24}">
-                <p16:designElem xmlns="" xmlns:p16="http://schemas.microsoft.com/office/powerpoint/2015/main" val="1"/>
+                <p16:designElem xmlns:p16="http://schemas.microsoft.com/office/powerpoint/2015/main" xmlns="" val="1"/>
               </p:ext>
             </p:extLst>
           </p:nvPr>
@@ -6567,10 +6595,10 @@
           <p:cNvPr id="2066" name="Rectangle 78">
             <a:extLst>
               <a:ext uri="{FF2B5EF4-FFF2-40B4-BE49-F238E27FC236}">
-                <a16:creationId xmlns="" xmlns:a16="http://schemas.microsoft.com/office/drawing/2014/main" id="{937C076B-00B1-4629-B27F-A86F9885FB4D}"/>
+                <a16:creationId xmlns:a16="http://schemas.microsoft.com/office/drawing/2014/main" xmlns="" id="{937C076B-00B1-4629-B27F-A86F9885FB4D}"/>
               </a:ext>
               <a:ext uri="{C183D7F6-B498-43B3-948B-1728B52AA6E4}">
-                <adec:decorative xmlns="" xmlns:adec="http://schemas.microsoft.com/office/drawing/2017/decorative" val="1"/>
+                <adec:decorative xmlns:adec="http://schemas.microsoft.com/office/drawing/2017/decorative" xmlns="" val="1"/>
               </a:ext>
             </a:extLst>
           </p:cNvPr>
@@ -6580,7 +6608,7 @@
           <p:nvPr>
             <p:extLst>
               <p:ext uri="{386F3935-93C4-4BCD-93E2-E3B085C9AB24}">
-                <p16:designElem xmlns="" xmlns:p16="http://schemas.microsoft.com/office/powerpoint/2015/main" val="1"/>
+                <p16:designElem xmlns:p16="http://schemas.microsoft.com/office/powerpoint/2015/main" xmlns="" val="1"/>
               </p:ext>
             </p:extLst>
           </p:nvPr>
@@ -6654,6 +6682,13 @@
   <p:clrMapOvr>
     <a:masterClrMapping/>
   </p:clrMapOvr>
+  <p:timing>
+    <p:tnLst>
+      <p:par>
+        <p:cTn id="1" dur="indefinite" restart="never" nodeType="tmRoot"/>
+      </p:par>
+    </p:tnLst>
+  </p:timing>
 </p:sld>
 </file>
 
@@ -6679,7 +6714,7 @@
           <p:cNvPr id="2" name="Title 1">
             <a:extLst>
               <a:ext uri="{FF2B5EF4-FFF2-40B4-BE49-F238E27FC236}">
-                <a16:creationId xmlns="" xmlns:a16="http://schemas.microsoft.com/office/drawing/2014/main" id="{A799CA5C-B6A9-4B99-8E71-C613CA746045}"/>
+                <a16:creationId xmlns:a16="http://schemas.microsoft.com/office/drawing/2014/main" xmlns="" id="{A799CA5C-B6A9-4B99-8E71-C613CA746045}"/>
               </a:ext>
             </a:extLst>
           </p:cNvPr>
@@ -6710,7 +6745,7 @@
           <p:cNvPr id="3" name="Content Placeholder 2">
             <a:extLst>
               <a:ext uri="{FF2B5EF4-FFF2-40B4-BE49-F238E27FC236}">
-                <a16:creationId xmlns="" xmlns:a16="http://schemas.microsoft.com/office/drawing/2014/main" id="{826D069B-2245-407F-A22E-248E73DCFF7B}"/>
+                <a16:creationId xmlns:a16="http://schemas.microsoft.com/office/drawing/2014/main" xmlns="" id="{826D069B-2245-407F-A22E-248E73DCFF7B}"/>
               </a:ext>
             </a:extLst>
           </p:cNvPr>
@@ -6843,6 +6878,13 @@
   <p:clrMapOvr>
     <a:masterClrMapping/>
   </p:clrMapOvr>
+  <p:timing>
+    <p:tnLst>
+      <p:par>
+        <p:cTn id="1" dur="indefinite" restart="never" nodeType="tmRoot"/>
+      </p:par>
+    </p:tnLst>
+  </p:timing>
 </p:sld>
 </file>
 
@@ -6868,7 +6910,7 @@
           <p:cNvPr id="2" name="Title 1">
             <a:extLst>
               <a:ext uri="{FF2B5EF4-FFF2-40B4-BE49-F238E27FC236}">
-                <a16:creationId xmlns="" xmlns:a16="http://schemas.microsoft.com/office/drawing/2014/main" id="{59F72E30-64DA-46CF-A925-CB6F1E705C14}"/>
+                <a16:creationId xmlns:a16="http://schemas.microsoft.com/office/drawing/2014/main" xmlns="" id="{59F72E30-64DA-46CF-A925-CB6F1E705C14}"/>
               </a:ext>
             </a:extLst>
           </p:cNvPr>
@@ -6897,7 +6939,7 @@
           <p:cNvPr id="3" name="Content Placeholder 2">
             <a:extLst>
               <a:ext uri="{FF2B5EF4-FFF2-40B4-BE49-F238E27FC236}">
-                <a16:creationId xmlns="" xmlns:a16="http://schemas.microsoft.com/office/drawing/2014/main" id="{FF8C630F-197B-438B-A142-AE8E92206DB1}"/>
+                <a16:creationId xmlns:a16="http://schemas.microsoft.com/office/drawing/2014/main" xmlns="" id="{FF8C630F-197B-438B-A142-AE8E92206DB1}"/>
               </a:ext>
             </a:extLst>
           </p:cNvPr>
@@ -6981,6 +7023,13 @@
   <p:clrMapOvr>
     <a:masterClrMapping/>
   </p:clrMapOvr>
+  <p:timing>
+    <p:tnLst>
+      <p:par>
+        <p:cTn id="1" dur="indefinite" restart="never" nodeType="tmRoot"/>
+      </p:par>
+    </p:tnLst>
+  </p:timing>
 </p:sld>
 </file>
 
@@ -7006,7 +7055,7 @@
           <p:cNvPr id="2" name="Title 1">
             <a:extLst>
               <a:ext uri="{FF2B5EF4-FFF2-40B4-BE49-F238E27FC236}">
-                <a16:creationId xmlns="" xmlns:a16="http://schemas.microsoft.com/office/drawing/2014/main" id="{B2966ED9-413D-4DAE-901A-C33E6AC395AC}"/>
+                <a16:creationId xmlns:a16="http://schemas.microsoft.com/office/drawing/2014/main" xmlns="" id="{B2966ED9-413D-4DAE-901A-C33E6AC395AC}"/>
               </a:ext>
             </a:extLst>
           </p:cNvPr>
@@ -7037,7 +7086,7 @@
           <p:cNvPr id="3" name="Content Placeholder 2">
             <a:extLst>
               <a:ext uri="{FF2B5EF4-FFF2-40B4-BE49-F238E27FC236}">
-                <a16:creationId xmlns="" xmlns:a16="http://schemas.microsoft.com/office/drawing/2014/main" id="{CB066C80-3118-4DB8-9D0E-4223114DFB3D}"/>
+                <a16:creationId xmlns:a16="http://schemas.microsoft.com/office/drawing/2014/main" xmlns="" id="{CB066C80-3118-4DB8-9D0E-4223114DFB3D}"/>
               </a:ext>
             </a:extLst>
           </p:cNvPr>
@@ -7079,7 +7128,7 @@
           <p:cNvPr id="1026" name="Picture 2" descr="Servlet HTTP5">
             <a:extLst>
               <a:ext uri="{FF2B5EF4-FFF2-40B4-BE49-F238E27FC236}">
-                <a16:creationId xmlns="" xmlns:a16="http://schemas.microsoft.com/office/drawing/2014/main" id="{80B23009-BAD8-44B8-930B-EB36945D366E}"/>
+                <a16:creationId xmlns:a16="http://schemas.microsoft.com/office/drawing/2014/main" xmlns="" id="{80B23009-BAD8-44B8-930B-EB36945D366E}"/>
               </a:ext>
             </a:extLst>
           </p:cNvPr>
@@ -7158,6 +7207,13 @@
   <p:clrMapOvr>
     <a:masterClrMapping/>
   </p:clrMapOvr>
+  <p:timing>
+    <p:tnLst>
+      <p:par>
+        <p:cTn id="1" dur="indefinite" restart="never" nodeType="tmRoot"/>
+      </p:par>
+    </p:tnLst>
+  </p:timing>
 </p:sld>
 </file>
 
@@ -7183,7 +7239,7 @@
           <p:cNvPr id="2" name="Title 1">
             <a:extLst>
               <a:ext uri="{FF2B5EF4-FFF2-40B4-BE49-F238E27FC236}">
-                <a16:creationId xmlns="" xmlns:a16="http://schemas.microsoft.com/office/drawing/2014/main" id="{03EAA0F7-5768-44A4-92FD-4081893ECB2B}"/>
+                <a16:creationId xmlns:a16="http://schemas.microsoft.com/office/drawing/2014/main" xmlns="" id="{03EAA0F7-5768-44A4-92FD-4081893ECB2B}"/>
               </a:ext>
             </a:extLst>
           </p:cNvPr>
@@ -7211,7 +7267,7 @@
           <p:cNvPr id="4" name="Table 3">
             <a:extLst>
               <a:ext uri="{FF2B5EF4-FFF2-40B4-BE49-F238E27FC236}">
-                <a16:creationId xmlns="" xmlns:a16="http://schemas.microsoft.com/office/drawing/2014/main" id="{64A3409B-FE8D-4755-AB66-3D7C6C74C344}"/>
+                <a16:creationId xmlns:a16="http://schemas.microsoft.com/office/drawing/2014/main" xmlns="" id="{64A3409B-FE8D-4755-AB66-3D7C6C74C344}"/>
               </a:ext>
             </a:extLst>
           </p:cNvPr>
@@ -7240,14 +7296,14 @@
                 <a:gridCol w="4506686">
                   <a:extLst>
                     <a:ext uri="{9D8B030D-6E8A-4147-A177-3AD203B41FA5}">
-                      <a16:colId xmlns="" xmlns:a16="http://schemas.microsoft.com/office/drawing/2014/main" val="2121080118"/>
+                      <a16:colId xmlns:a16="http://schemas.microsoft.com/office/drawing/2014/main" xmlns="" val="2121080118"/>
                     </a:ext>
                   </a:extLst>
                 </a:gridCol>
                 <a:gridCol w="4506686">
                   <a:extLst>
                     <a:ext uri="{9D8B030D-6E8A-4147-A177-3AD203B41FA5}">
-                      <a16:colId xmlns="" xmlns:a16="http://schemas.microsoft.com/office/drawing/2014/main" val="2280304160"/>
+                      <a16:colId xmlns:a16="http://schemas.microsoft.com/office/drawing/2014/main" xmlns="" val="2280304160"/>
                     </a:ext>
                   </a:extLst>
                 </a:gridCol>
@@ -7301,7 +7357,7 @@
                 </a:tc>
                 <a:extLst>
                   <a:ext uri="{0D108BD9-81ED-4DB2-BD59-A6C34878D82A}">
-                    <a16:rowId xmlns="" xmlns:a16="http://schemas.microsoft.com/office/drawing/2014/main" val="198113638"/>
+                    <a16:rowId xmlns:a16="http://schemas.microsoft.com/office/drawing/2014/main" xmlns="" val="198113638"/>
                   </a:ext>
                 </a:extLst>
               </a:tr>
@@ -7396,7 +7452,7 @@
                 </a:tc>
                 <a:extLst>
                   <a:ext uri="{0D108BD9-81ED-4DB2-BD59-A6C34878D82A}">
-                    <a16:rowId xmlns="" xmlns:a16="http://schemas.microsoft.com/office/drawing/2014/main" val="548941632"/>
+                    <a16:rowId xmlns:a16="http://schemas.microsoft.com/office/drawing/2014/main" xmlns="" val="548941632"/>
                   </a:ext>
                 </a:extLst>
               </a:tr>
@@ -7479,7 +7535,7 @@
                 </a:tc>
                 <a:extLst>
                   <a:ext uri="{0D108BD9-81ED-4DB2-BD59-A6C34878D82A}">
-                    <a16:rowId xmlns="" xmlns:a16="http://schemas.microsoft.com/office/drawing/2014/main" val="1357003202"/>
+                    <a16:rowId xmlns:a16="http://schemas.microsoft.com/office/drawing/2014/main" xmlns="" val="1357003202"/>
                   </a:ext>
                 </a:extLst>
               </a:tr>
@@ -7562,7 +7618,7 @@
                 </a:tc>
                 <a:extLst>
                   <a:ext uri="{0D108BD9-81ED-4DB2-BD59-A6C34878D82A}">
-                    <a16:rowId xmlns="" xmlns:a16="http://schemas.microsoft.com/office/drawing/2014/main" val="4126723987"/>
+                    <a16:rowId xmlns:a16="http://schemas.microsoft.com/office/drawing/2014/main" xmlns="" val="4126723987"/>
                   </a:ext>
                 </a:extLst>
               </a:tr>
@@ -7645,7 +7701,7 @@
                 </a:tc>
                 <a:extLst>
                   <a:ext uri="{0D108BD9-81ED-4DB2-BD59-A6C34878D82A}">
-                    <a16:rowId xmlns="" xmlns:a16="http://schemas.microsoft.com/office/drawing/2014/main" val="3706519161"/>
+                    <a16:rowId xmlns:a16="http://schemas.microsoft.com/office/drawing/2014/main" xmlns="" val="3706519161"/>
                   </a:ext>
                 </a:extLst>
               </a:tr>
@@ -7690,6 +7746,13 @@
   <p:clrMapOvr>
     <a:masterClrMapping/>
   </p:clrMapOvr>
+  <p:timing>
+    <p:tnLst>
+      <p:par>
+        <p:cTn id="1" dur="indefinite" restart="never" nodeType="tmRoot"/>
+      </p:par>
+    </p:tnLst>
+  </p:timing>
 </p:sld>
 </file>
 
@@ -7835,6 +7898,13 @@
   <p:clrMapOvr>
     <a:masterClrMapping/>
   </p:clrMapOvr>
+  <p:timing>
+    <p:tnLst>
+      <p:par>
+        <p:cTn id="1" dur="indefinite" restart="never" nodeType="tmRoot"/>
+      </p:par>
+    </p:tnLst>
+  </p:timing>
 </p:sld>
 </file>
 
@@ -8024,6 +8094,13 @@
   <p:clrMapOvr>
     <a:masterClrMapping/>
   </p:clrMapOvr>
+  <p:timing>
+    <p:tnLst>
+      <p:par>
+        <p:cTn id="1" dur="indefinite" restart="never" nodeType="tmRoot"/>
+      </p:par>
+    </p:tnLst>
+  </p:timing>
 </p:sld>
 </file>
 
@@ -8049,7 +8126,7 @@
           <p:cNvPr id="3" name="Content Placeholder 2">
             <a:extLst>
               <a:ext uri="{FF2B5EF4-FFF2-40B4-BE49-F238E27FC236}">
-                <a16:creationId xmlns="" xmlns:a16="http://schemas.microsoft.com/office/drawing/2014/main" id="{FCD9EBD5-1BAA-42E6-80F6-FEC346D38DC9}"/>
+                <a16:creationId xmlns:a16="http://schemas.microsoft.com/office/drawing/2014/main" xmlns="" id="{FCD9EBD5-1BAA-42E6-80F6-FEC346D38DC9}"/>
               </a:ext>
             </a:extLst>
           </p:cNvPr>
@@ -8167,6 +8244,13 @@
   <p:clrMapOvr>
     <a:masterClrMapping/>
   </p:clrMapOvr>
+  <p:timing>
+    <p:tnLst>
+      <p:par>
+        <p:cTn id="1" dur="indefinite" restart="never" nodeType="tmRoot"/>
+      </p:par>
+    </p:tnLst>
+  </p:timing>
 </p:sld>
 </file>
 
@@ -8258,7 +8342,7 @@
           <p:cNvPr id="3074" name="Picture 2" descr="directory structure of jsp">
             <a:extLst>
               <a:ext uri="{FF2B5EF4-FFF2-40B4-BE49-F238E27FC236}">
-                <a16:creationId xmlns="" xmlns:a16="http://schemas.microsoft.com/office/drawing/2014/main" id="{75F2CCE4-8BE4-45F3-BB54-05947BAB7C1E}"/>
+                <a16:creationId xmlns:a16="http://schemas.microsoft.com/office/drawing/2014/main" xmlns="" id="{75F2CCE4-8BE4-45F3-BB54-05947BAB7C1E}"/>
               </a:ext>
             </a:extLst>
           </p:cNvPr>
@@ -8337,6 +8421,13 @@
   <p:clrMapOvr>
     <a:masterClrMapping/>
   </p:clrMapOvr>
+  <p:timing>
+    <p:tnLst>
+      <p:par>
+        <p:cTn id="1" dur="indefinite" restart="never" nodeType="tmRoot"/>
+      </p:par>
+    </p:tnLst>
+  </p:timing>
 </p:sld>
 </file>
 
@@ -8465,6 +8556,13 @@
   <p:clrMapOvr>
     <a:masterClrMapping/>
   </p:clrMapOvr>
+  <p:timing>
+    <p:tnLst>
+      <p:par>
+        <p:cTn id="1" dur="indefinite" restart="never" nodeType="tmRoot"/>
+      </p:par>
+    </p:tnLst>
+  </p:timing>
 </p:sld>
 </file>
 
@@ -8490,7 +8588,7 @@
           <p:cNvPr id="2" name="Title 1">
             <a:extLst>
               <a:ext uri="{FF2B5EF4-FFF2-40B4-BE49-F238E27FC236}">
-                <a16:creationId xmlns="" xmlns:a16="http://schemas.microsoft.com/office/drawing/2014/main" id="{0D30F009-7DDF-40BA-94EF-BBEA715F456A}"/>
+                <a16:creationId xmlns:a16="http://schemas.microsoft.com/office/drawing/2014/main" xmlns="" id="{0D30F009-7DDF-40BA-94EF-BBEA715F456A}"/>
               </a:ext>
             </a:extLst>
           </p:cNvPr>
@@ -8518,7 +8616,7 @@
           <p:cNvPr id="3" name="Content Placeholder 2">
             <a:extLst>
               <a:ext uri="{FF2B5EF4-FFF2-40B4-BE49-F238E27FC236}">
-                <a16:creationId xmlns="" xmlns:a16="http://schemas.microsoft.com/office/drawing/2014/main" id="{133209E5-6D61-4C92-9875-B82FB46580F1}"/>
+                <a16:creationId xmlns:a16="http://schemas.microsoft.com/office/drawing/2014/main" xmlns="" id="{133209E5-6D61-4C92-9875-B82FB46580F1}"/>
               </a:ext>
             </a:extLst>
           </p:cNvPr>
@@ -8601,6 +8699,13 @@
   <p:clrMapOvr>
     <a:masterClrMapping/>
   </p:clrMapOvr>
+  <p:timing>
+    <p:tnLst>
+      <p:par>
+        <p:cTn id="1" dur="indefinite" restart="never" nodeType="tmRoot"/>
+      </p:par>
+    </p:tnLst>
+  </p:timing>
 </p:sld>
 </file>
 
@@ -8626,7 +8731,7 @@
           <p:cNvPr id="2" name="Title 1">
             <a:extLst>
               <a:ext uri="{FF2B5EF4-FFF2-40B4-BE49-F238E27FC236}">
-                <a16:creationId xmlns="" xmlns:a16="http://schemas.microsoft.com/office/drawing/2014/main" id="{84EEEC13-BCA7-4432-97C8-5C0FBDF05D46}"/>
+                <a16:creationId xmlns:a16="http://schemas.microsoft.com/office/drawing/2014/main" xmlns="" id="{84EEEC13-BCA7-4432-97C8-5C0FBDF05D46}"/>
               </a:ext>
             </a:extLst>
           </p:cNvPr>
@@ -8654,7 +8759,7 @@
           <p:cNvPr id="3" name="Content Placeholder 2">
             <a:extLst>
               <a:ext uri="{FF2B5EF4-FFF2-40B4-BE49-F238E27FC236}">
-                <a16:creationId xmlns="" xmlns:a16="http://schemas.microsoft.com/office/drawing/2014/main" id="{39FCD023-7525-40FC-A2FD-6527E4F96F0D}"/>
+                <a16:creationId xmlns:a16="http://schemas.microsoft.com/office/drawing/2014/main" xmlns="" id="{39FCD023-7525-40FC-A2FD-6527E4F96F0D}"/>
               </a:ext>
             </a:extLst>
           </p:cNvPr>
@@ -8716,7 +8821,7 @@
           <p:cNvPr id="4098" name="Picture 2" descr="model 1 architecture">
             <a:extLst>
               <a:ext uri="{FF2B5EF4-FFF2-40B4-BE49-F238E27FC236}">
-                <a16:creationId xmlns="" xmlns:a16="http://schemas.microsoft.com/office/drawing/2014/main" id="{44D1247C-D710-475A-8313-D9DDD72777F3}"/>
+                <a16:creationId xmlns:a16="http://schemas.microsoft.com/office/drawing/2014/main" xmlns="" id="{44D1247C-D710-475A-8313-D9DDD72777F3}"/>
               </a:ext>
             </a:extLst>
           </p:cNvPr>
@@ -8795,6 +8900,13 @@
   <p:clrMapOvr>
     <a:masterClrMapping/>
   </p:clrMapOvr>
+  <p:timing>
+    <p:tnLst>
+      <p:par>
+        <p:cTn id="1" dur="indefinite" restart="never" nodeType="tmRoot"/>
+      </p:par>
+    </p:tnLst>
+  </p:timing>
 </p:sld>
 </file>
 
@@ -8820,7 +8932,7 @@
           <p:cNvPr id="2" name="Title 1">
             <a:extLst>
               <a:ext uri="{FF2B5EF4-FFF2-40B4-BE49-F238E27FC236}">
-                <a16:creationId xmlns="" xmlns:a16="http://schemas.microsoft.com/office/drawing/2014/main" id="{5B56716C-CF2D-4821-B03C-49E2DBCA6C72}"/>
+                <a16:creationId xmlns:a16="http://schemas.microsoft.com/office/drawing/2014/main" xmlns="" id="{5B56716C-CF2D-4821-B03C-49E2DBCA6C72}"/>
               </a:ext>
             </a:extLst>
           </p:cNvPr>
@@ -8848,7 +8960,7 @@
           <p:cNvPr id="5124" name="Picture 4" descr="mvc architecture">
             <a:extLst>
               <a:ext uri="{FF2B5EF4-FFF2-40B4-BE49-F238E27FC236}">
-                <a16:creationId xmlns="" xmlns:a16="http://schemas.microsoft.com/office/drawing/2014/main" id="{113D347F-515D-4328-9F96-200D4A955D00}"/>
+                <a16:creationId xmlns:a16="http://schemas.microsoft.com/office/drawing/2014/main" xmlns="" id="{113D347F-515D-4328-9F96-200D4A955D00}"/>
               </a:ext>
             </a:extLst>
           </p:cNvPr>
@@ -8919,7 +9031,7 @@
           <p:cNvPr id="7" name="Content Placeholder 2">
             <a:extLst>
               <a:ext uri="{FF2B5EF4-FFF2-40B4-BE49-F238E27FC236}">
-                <a16:creationId xmlns="" xmlns:a16="http://schemas.microsoft.com/office/drawing/2014/main" id="{E90C6C36-A9CA-429D-9B35-CA916104B100}"/>
+                <a16:creationId xmlns:a16="http://schemas.microsoft.com/office/drawing/2014/main" xmlns="" id="{E90C6C36-A9CA-429D-9B35-CA916104B100}"/>
               </a:ext>
             </a:extLst>
           </p:cNvPr>
@@ -8990,6 +9102,13 @@
   <p:clrMapOvr>
     <a:masterClrMapping/>
   </p:clrMapOvr>
+  <p:timing>
+    <p:tnLst>
+      <p:par>
+        <p:cTn id="1" dur="indefinite" restart="never" nodeType="tmRoot"/>
+      </p:par>
+    </p:tnLst>
+  </p:timing>
 </p:sld>
 </file>
 
@@ -9166,6 +9285,13 @@
   <p:clrMapOvr>
     <a:masterClrMapping/>
   </p:clrMapOvr>
+  <p:timing>
+    <p:tnLst>
+      <p:par>
+        <p:cTn id="1" dur="indefinite" restart="never" nodeType="tmRoot"/>
+      </p:par>
+    </p:tnLst>
+  </p:timing>
 </p:sld>
 </file>
 
@@ -9402,6 +9528,13 @@
   <p:clrMapOvr>
     <a:masterClrMapping/>
   </p:clrMapOvr>
+  <p:timing>
+    <p:tnLst>
+      <p:par>
+        <p:cTn id="1" dur="indefinite" restart="never" nodeType="tmRoot"/>
+      </p:par>
+    </p:tnLst>
+  </p:timing>
 </p:sld>
 </file>
 
@@ -9575,6 +9708,13 @@
   <p:clrMapOvr>
     <a:masterClrMapping/>
   </p:clrMapOvr>
+  <p:timing>
+    <p:tnLst>
+      <p:par>
+        <p:cTn id="1" dur="indefinite" restart="never" nodeType="tmRoot"/>
+      </p:par>
+    </p:tnLst>
+  </p:timing>
 </p:sld>
 </file>
 
@@ -9784,6 +9924,13 @@
   <p:clrMapOvr>
     <a:masterClrMapping/>
   </p:clrMapOvr>
+  <p:timing>
+    <p:tnLst>
+      <p:par>
+        <p:cTn id="1" dur="indefinite" restart="never" nodeType="tmRoot"/>
+      </p:par>
+    </p:tnLst>
+  </p:timing>
 </p:sld>
 </file>
 
@@ -9974,6 +10121,13 @@
   <p:clrMapOvr>
     <a:masterClrMapping/>
   </p:clrMapOvr>
+  <p:timing>
+    <p:tnLst>
+      <p:par>
+        <p:cTn id="1" dur="indefinite" restart="never" nodeType="tmRoot"/>
+      </p:par>
+    </p:tnLst>
+  </p:timing>
 </p:sld>
 </file>
 
@@ -10188,6 +10342,13 @@
   <p:clrMapOvr>
     <a:masterClrMapping/>
   </p:clrMapOvr>
+  <p:timing>
+    <p:tnLst>
+      <p:par>
+        <p:cTn id="1" dur="indefinite" restart="never" nodeType="tmRoot"/>
+      </p:par>
+    </p:tnLst>
+  </p:timing>
 </p:sld>
 </file>
 
@@ -10266,7 +10427,6 @@
               <a:rPr lang="en-US" dirty="0" smtClean="0"/>
               <a:t>The following are the tiers in J2EE application</a:t>
             </a:r>
-            <a:endParaRPr lang="en-US" dirty="0" smtClean="0"/>
           </a:p>
           <a:p>
             <a:pPr marL="0" indent="0">
@@ -10418,14 +10578,21 @@
   <p:clrMapOvr>
     <a:masterClrMapping/>
   </p:clrMapOvr>
+  <p:timing>
+    <p:tnLst>
+      <p:par>
+        <p:cTn id="1" dur="indefinite" restart="never" nodeType="tmRoot"/>
+      </p:par>
+    </p:tnLst>
+  </p:timing>
 </p:sld>
 </file>
 
 <file path=ppt/tags/tag1.xml><?xml version="1.0" encoding="utf-8"?>
 <p:tagLst xmlns:a="http://schemas.openxmlformats.org/drawingml/2006/main" xmlns:r="http://schemas.openxmlformats.org/officeDocument/2006/relationships" xmlns:p="http://schemas.openxmlformats.org/presentationml/2006/main">
   <p:tag name="ARTICULATE_DESIGN_ID_FRAME" val="swDPPbbH"/>
+  <p:tag name="ARTICULATE_SLIDE_COUNT" val="25"/>
   <p:tag name="ARTICULATE_PROJECT_OPEN" val="0"/>
-  <p:tag name="ARTICULATE_SLIDE_COUNT" val="25"/>
 </p:tagLst>
 </file>
 
@@ -10822,7 +10989,7 @@
   <a:extraClrSchemeLst/>
   <a:extLst>
     <a:ext uri="{05A4C25C-085E-4340-85A3-A5531E510DB2}">
-      <thm15:themeFamily xmlns:thm15="http://schemas.microsoft.com/office/thememl/2012/main" xmlns="" name="Frame" id="{F226E7A2-7162-461C-9490-D27D9DC04E43}" vid="{629A0216-3BBD-45C0-B63F-2683BEA18F60}"/>
+      <thm15:themeFamily xmlns="" xmlns:thm15="http://schemas.microsoft.com/office/thememl/2012/main" name="Frame" id="{F226E7A2-7162-461C-9490-D27D9DC04E43}" vid="{629A0216-3BBD-45C0-B63F-2683BEA18F60}"/>
     </a:ext>
   </a:extLst>
 </a:theme>
@@ -11083,7 +11250,7 @@
   <a:extraClrSchemeLst/>
   <a:extLst>
     <a:ext uri="{05A4C25C-085E-4340-85A3-A5531E510DB2}">
-      <thm15:themeFamily xmlns:thm15="http://schemas.microsoft.com/office/thememl/2012/main" xmlns="" name="Office Theme" id="{62F939B6-93AF-4DB8-9C6B-D6C7DFDC589F}" vid="{4A3C46E8-61CC-4603-A589-7422A47A8E4A}"/>
+      <thm15:themeFamily xmlns="" xmlns:thm15="http://schemas.microsoft.com/office/thememl/2012/main" name="Office Theme" id="{62F939B6-93AF-4DB8-9C6B-D6C7DFDC589F}" vid="{4A3C46E8-61CC-4603-A589-7422A47A8E4A}"/>
     </a:ext>
   </a:extLst>
 </a:theme>
@@ -11344,7 +11511,7 @@
   <a:extraClrSchemeLst/>
   <a:extLst>
     <a:ext uri="{05A4C25C-085E-4340-85A3-A5531E510DB2}">
-      <thm15:themeFamily xmlns:thm15="http://schemas.microsoft.com/office/thememl/2012/main" xmlns="" name="Office Theme" id="{62F939B6-93AF-4DB8-9C6B-D6C7DFDC589F}" vid="{4A3C46E8-61CC-4603-A589-7422A47A8E4A}"/>
+      <thm15:themeFamily xmlns="" xmlns:thm15="http://schemas.microsoft.com/office/thememl/2012/main" name="Office Theme" id="{62F939B6-93AF-4DB8-9C6B-D6C7DFDC589F}" vid="{4A3C46E8-61CC-4603-A589-7422A47A8E4A}"/>
     </a:ext>
   </a:extLst>
 </a:theme>

--- a/AJP Slides/AJP - Unit 3 - J2EE.pptx
+++ b/AJP Slides/AJP - Unit 3 - J2EE.pptx
@@ -139,7 +139,7 @@
   </p:defaultTextStyle>
   <p:extLst>
     <p:ext uri="{EFAFB233-063F-42B5-8137-9DF3F51BA10A}">
-      <p15:sldGuideLst xmlns="" xmlns:p15="http://schemas.microsoft.com/office/powerpoint/2012/main">
+      <p15:sldGuideLst xmlns:p15="http://schemas.microsoft.com/office/powerpoint/2012/main" xmlns="">
         <p15:guide id="1" orient="horz" pos="2160">
           <p15:clr>
             <a:srgbClr val="A4A3A4"/>
@@ -153,7 +153,7 @@
       </p15:sldGuideLst>
     </p:ext>
     <p:ext uri="{2D200454-40CA-4A62-9FC3-DE9A4176ACB9}">
-      <p15:notesGuideLst xmlns="" xmlns:p15="http://schemas.microsoft.com/office/powerpoint/2012/main"/>
+      <p15:notesGuideLst xmlns:p15="http://schemas.microsoft.com/office/powerpoint/2012/main" xmlns=""/>
     </p:ext>
   </p:extLst>
 </p:presentation>
@@ -241,7 +241,7 @@
           <a:p>
             <a:fld id="{EBCDB223-1744-4BBC-9844-9773C6B7C09F}" type="datetimeFigureOut">
               <a:rPr lang="en-IN" smtClean="0"/>
-              <a:t>08-08-2022</a:t>
+              <a:t>09-08-2022</a:t>
             </a:fld>
             <a:endParaRPr lang="en-IN"/>
           </a:p>
@@ -406,7 +406,7 @@
           <a:p>
             <a:fld id="{EA89CDE9-15B3-4418-B829-6A0B102FE7D6}" type="datetimeFigureOut">
               <a:rPr lang="en-IN" smtClean="0"/>
-              <a:t>08-08-2022</a:t>
+              <a:t>09-08-2022</a:t>
             </a:fld>
             <a:endParaRPr lang="en-IN"/>
           </a:p>
@@ -903,7 +903,7 @@
           <a:p>
             <a:fld id="{4610E68D-407F-4C0F-AEE8-3CF649B10F5A}" type="datetime1">
               <a:rPr lang="en-IN" smtClean="0"/>
-              <a:t>08-08-2022</a:t>
+              <a:t>09-08-2022</a:t>
             </a:fld>
             <a:endParaRPr lang="en-IN"/>
           </a:p>
@@ -1077,7 +1077,7 @@
           <a:p>
             <a:fld id="{735FDBA6-16AA-4029-938B-E23760E33E5C}" type="datetime1">
               <a:rPr lang="en-IN" smtClean="0"/>
-              <a:t>08-08-2022</a:t>
+              <a:t>09-08-2022</a:t>
             </a:fld>
             <a:endParaRPr lang="en-IN"/>
           </a:p>
@@ -1258,7 +1258,7 @@
           <a:p>
             <a:fld id="{41F0045F-1A7A-46BC-A0B2-4EC223ABD217}" type="datetime1">
               <a:rPr lang="en-IN" smtClean="0"/>
-              <a:t>08-08-2022</a:t>
+              <a:t>09-08-2022</a:t>
             </a:fld>
             <a:endParaRPr lang="en-IN"/>
           </a:p>
@@ -1429,7 +1429,7 @@
           <a:p>
             <a:fld id="{8851E00B-BE75-42AF-99FB-935A8AD73A1B}" type="datetime1">
               <a:rPr lang="en-IN" smtClean="0"/>
-              <a:t>08-08-2022</a:t>
+              <a:t>09-08-2022</a:t>
             </a:fld>
             <a:endParaRPr lang="en-IN"/>
           </a:p>
@@ -1691,7 +1691,7 @@
           <a:p>
             <a:fld id="{6E4009ED-909E-409F-BDB0-08FE570E7788}" type="datetime1">
               <a:rPr lang="en-IN" smtClean="0"/>
-              <a:t>08-08-2022</a:t>
+              <a:t>09-08-2022</a:t>
             </a:fld>
             <a:endParaRPr lang="en-IN"/>
           </a:p>
@@ -1980,7 +1980,7 @@
           <a:p>
             <a:fld id="{84BDD3DA-25F9-4752-A241-94C44457E7B3}" type="datetime1">
               <a:rPr lang="en-IN" smtClean="0"/>
-              <a:t>08-08-2022</a:t>
+              <a:t>09-08-2022</a:t>
             </a:fld>
             <a:endParaRPr lang="en-IN"/>
           </a:p>
@@ -2423,7 +2423,7 @@
           <a:p>
             <a:fld id="{80DBB5BB-D79D-4C06-A7CC-116F42C3B3E4}" type="datetime1">
               <a:rPr lang="en-IN" smtClean="0"/>
-              <a:t>08-08-2022</a:t>
+              <a:t>09-08-2022</a:t>
             </a:fld>
             <a:endParaRPr lang="en-IN"/>
           </a:p>
@@ -2542,7 +2542,7 @@
           <a:p>
             <a:fld id="{B0C54211-8216-4FF5-90B6-C8509AF3AB9C}" type="datetime1">
               <a:rPr lang="en-IN" smtClean="0"/>
-              <a:t>08-08-2022</a:t>
+              <a:t>09-08-2022</a:t>
             </a:fld>
             <a:endParaRPr lang="en-IN"/>
           </a:p>
@@ -2638,7 +2638,7 @@
           <a:p>
             <a:fld id="{CCCF9F98-4291-467F-AA56-DF72CF30793C}" type="datetime1">
               <a:rPr lang="en-IN" smtClean="0"/>
-              <a:t>08-08-2022</a:t>
+              <a:t>09-08-2022</a:t>
             </a:fld>
             <a:endParaRPr lang="en-IN"/>
           </a:p>
@@ -2927,7 +2927,7 @@
           <a:p>
             <a:fld id="{6D10A0F2-483C-45FC-8434-14AFCC55C208}" type="datetime1">
               <a:rPr lang="en-IN" smtClean="0"/>
-              <a:t>08-08-2022</a:t>
+              <a:t>09-08-2022</a:t>
             </a:fld>
             <a:endParaRPr lang="en-IN"/>
           </a:p>
@@ -3201,7 +3201,7 @@
           <a:p>
             <a:fld id="{BE52F045-0357-48F2-8EB6-A24633447161}" type="datetime1">
               <a:rPr lang="en-IN" smtClean="0"/>
-              <a:t>08-08-2022</a:t>
+              <a:t>09-08-2022</a:t>
             </a:fld>
             <a:endParaRPr lang="en-IN"/>
           </a:p>
@@ -3501,7 +3501,7 @@
           <a:p>
             <a:fld id="{DE290873-265D-46B2-9E77-D2477544299C}" type="datetime1">
               <a:rPr lang="en-IN" smtClean="0"/>
-              <a:t>08-08-2022</a:t>
+              <a:t>09-08-2022</a:t>
             </a:fld>
             <a:endParaRPr lang="en-IN"/>
           </a:p>
@@ -6230,10 +6230,10 @@
           <p:cNvPr id="2057" name="Rectangle 72">
             <a:extLst>
               <a:ext uri="{FF2B5EF4-FFF2-40B4-BE49-F238E27FC236}">
-                <a16:creationId xmlns:a16="http://schemas.microsoft.com/office/drawing/2014/main" xmlns="" id="{605A42EF-68E6-4808-81CD-E5ABD0ED92CA}"/>
+                <a16:creationId xmlns="" xmlns:a16="http://schemas.microsoft.com/office/drawing/2014/main" id="{605A42EF-68E6-4808-81CD-E5ABD0ED92CA}"/>
               </a:ext>
               <a:ext uri="{C183D7F6-B498-43B3-948B-1728B52AA6E4}">
-                <adec:decorative xmlns:adec="http://schemas.microsoft.com/office/drawing/2017/decorative" xmlns="" val="1"/>
+                <adec:decorative xmlns="" xmlns:adec="http://schemas.microsoft.com/office/drawing/2017/decorative" val="1"/>
               </a:ext>
             </a:extLst>
           </p:cNvPr>
@@ -6243,7 +6243,7 @@
           <p:nvPr>
             <p:extLst>
               <p:ext uri="{386F3935-93C4-4BCD-93E2-E3B085C9AB24}">
-                <p16:designElem xmlns:p16="http://schemas.microsoft.com/office/powerpoint/2015/main" xmlns="" val="1"/>
+                <p16:designElem xmlns="" xmlns:p16="http://schemas.microsoft.com/office/powerpoint/2015/main" val="1"/>
               </p:ext>
             </p:extLst>
           </p:nvPr>
@@ -6364,10 +6364,10 @@
           <p:cNvPr id="2061" name="Straight Connector 74">
             <a:extLst>
               <a:ext uri="{FF2B5EF4-FFF2-40B4-BE49-F238E27FC236}">
-                <a16:creationId xmlns:a16="http://schemas.microsoft.com/office/drawing/2014/main" xmlns="" id="{3C4A154E-1950-4755-A5FC-5998EE0CC14B}"/>
+                <a16:creationId xmlns="" xmlns:a16="http://schemas.microsoft.com/office/drawing/2014/main" id="{3C4A154E-1950-4755-A5FC-5998EE0CC14B}"/>
               </a:ext>
               <a:ext uri="{C183D7F6-B498-43B3-948B-1728B52AA6E4}">
-                <adec:decorative xmlns:adec="http://schemas.microsoft.com/office/drawing/2017/decorative" xmlns="" val="1"/>
+                <adec:decorative xmlns="" xmlns:adec="http://schemas.microsoft.com/office/drawing/2017/decorative" val="1"/>
               </a:ext>
             </a:extLst>
           </p:cNvPr>
@@ -6377,7 +6377,7 @@
           <p:nvPr>
             <p:extLst>
               <p:ext uri="{386F3935-93C4-4BCD-93E2-E3B085C9AB24}">
-                <p16:designElem xmlns:p16="http://schemas.microsoft.com/office/powerpoint/2015/main" xmlns="" val="1"/>
+                <p16:designElem xmlns="" xmlns:p16="http://schemas.microsoft.com/office/powerpoint/2015/main" val="1"/>
               </p:ext>
             </p:extLst>
           </p:nvPr>
@@ -6540,10 +6540,10 @@
           <p:cNvPr id="2065" name="Rectangle 76">
             <a:extLst>
               <a:ext uri="{FF2B5EF4-FFF2-40B4-BE49-F238E27FC236}">
-                <a16:creationId xmlns:a16="http://schemas.microsoft.com/office/drawing/2014/main" xmlns="" id="{3FE9C285-56FB-4B36-8ECA-C2D6596AA906}"/>
+                <a16:creationId xmlns="" xmlns:a16="http://schemas.microsoft.com/office/drawing/2014/main" id="{3FE9C285-56FB-4B36-8ECA-C2D6596AA906}"/>
               </a:ext>
               <a:ext uri="{C183D7F6-B498-43B3-948B-1728B52AA6E4}">
-                <adec:decorative xmlns:adec="http://schemas.microsoft.com/office/drawing/2017/decorative" xmlns="" val="1"/>
+                <adec:decorative xmlns="" xmlns:adec="http://schemas.microsoft.com/office/drawing/2017/decorative" val="1"/>
               </a:ext>
             </a:extLst>
           </p:cNvPr>
@@ -6553,7 +6553,7 @@
           <p:nvPr>
             <p:extLst>
               <p:ext uri="{386F3935-93C4-4BCD-93E2-E3B085C9AB24}">
-                <p16:designElem xmlns:p16="http://schemas.microsoft.com/office/powerpoint/2015/main" xmlns="" val="1"/>
+                <p16:designElem xmlns="" xmlns:p16="http://schemas.microsoft.com/office/powerpoint/2015/main" val="1"/>
               </p:ext>
             </p:extLst>
           </p:nvPr>
@@ -6595,10 +6595,10 @@
           <p:cNvPr id="2066" name="Rectangle 78">
             <a:extLst>
               <a:ext uri="{FF2B5EF4-FFF2-40B4-BE49-F238E27FC236}">
-                <a16:creationId xmlns:a16="http://schemas.microsoft.com/office/drawing/2014/main" xmlns="" id="{937C076B-00B1-4629-B27F-A86F9885FB4D}"/>
+                <a16:creationId xmlns="" xmlns:a16="http://schemas.microsoft.com/office/drawing/2014/main" id="{937C076B-00B1-4629-B27F-A86F9885FB4D}"/>
               </a:ext>
               <a:ext uri="{C183D7F6-B498-43B3-948B-1728B52AA6E4}">
-                <adec:decorative xmlns:adec="http://schemas.microsoft.com/office/drawing/2017/decorative" xmlns="" val="1"/>
+                <adec:decorative xmlns="" xmlns:adec="http://schemas.microsoft.com/office/drawing/2017/decorative" val="1"/>
               </a:ext>
             </a:extLst>
           </p:cNvPr>
@@ -6608,7 +6608,7 @@
           <p:nvPr>
             <p:extLst>
               <p:ext uri="{386F3935-93C4-4BCD-93E2-E3B085C9AB24}">
-                <p16:designElem xmlns:p16="http://schemas.microsoft.com/office/powerpoint/2015/main" xmlns="" val="1"/>
+                <p16:designElem xmlns="" xmlns:p16="http://schemas.microsoft.com/office/powerpoint/2015/main" val="1"/>
               </p:ext>
             </p:extLst>
           </p:nvPr>
@@ -6714,7 +6714,7 @@
           <p:cNvPr id="2" name="Title 1">
             <a:extLst>
               <a:ext uri="{FF2B5EF4-FFF2-40B4-BE49-F238E27FC236}">
-                <a16:creationId xmlns:a16="http://schemas.microsoft.com/office/drawing/2014/main" xmlns="" id="{A799CA5C-B6A9-4B99-8E71-C613CA746045}"/>
+                <a16:creationId xmlns="" xmlns:a16="http://schemas.microsoft.com/office/drawing/2014/main" id="{A799CA5C-B6A9-4B99-8E71-C613CA746045}"/>
               </a:ext>
             </a:extLst>
           </p:cNvPr>
@@ -6745,7 +6745,7 @@
           <p:cNvPr id="3" name="Content Placeholder 2">
             <a:extLst>
               <a:ext uri="{FF2B5EF4-FFF2-40B4-BE49-F238E27FC236}">
-                <a16:creationId xmlns:a16="http://schemas.microsoft.com/office/drawing/2014/main" xmlns="" id="{826D069B-2245-407F-A22E-248E73DCFF7B}"/>
+                <a16:creationId xmlns="" xmlns:a16="http://schemas.microsoft.com/office/drawing/2014/main" id="{826D069B-2245-407F-A22E-248E73DCFF7B}"/>
               </a:ext>
             </a:extLst>
           </p:cNvPr>
@@ -6910,7 +6910,7 @@
           <p:cNvPr id="2" name="Title 1">
             <a:extLst>
               <a:ext uri="{FF2B5EF4-FFF2-40B4-BE49-F238E27FC236}">
-                <a16:creationId xmlns:a16="http://schemas.microsoft.com/office/drawing/2014/main" xmlns="" id="{59F72E30-64DA-46CF-A925-CB6F1E705C14}"/>
+                <a16:creationId xmlns="" xmlns:a16="http://schemas.microsoft.com/office/drawing/2014/main" id="{59F72E30-64DA-46CF-A925-CB6F1E705C14}"/>
               </a:ext>
             </a:extLst>
           </p:cNvPr>
@@ -6939,7 +6939,7 @@
           <p:cNvPr id="3" name="Content Placeholder 2">
             <a:extLst>
               <a:ext uri="{FF2B5EF4-FFF2-40B4-BE49-F238E27FC236}">
-                <a16:creationId xmlns:a16="http://schemas.microsoft.com/office/drawing/2014/main" xmlns="" id="{FF8C630F-197B-438B-A142-AE8E92206DB1}"/>
+                <a16:creationId xmlns="" xmlns:a16="http://schemas.microsoft.com/office/drawing/2014/main" id="{FF8C630F-197B-438B-A142-AE8E92206DB1}"/>
               </a:ext>
             </a:extLst>
           </p:cNvPr>
@@ -7055,7 +7055,7 @@
           <p:cNvPr id="2" name="Title 1">
             <a:extLst>
               <a:ext uri="{FF2B5EF4-FFF2-40B4-BE49-F238E27FC236}">
-                <a16:creationId xmlns:a16="http://schemas.microsoft.com/office/drawing/2014/main" xmlns="" id="{B2966ED9-413D-4DAE-901A-C33E6AC395AC}"/>
+                <a16:creationId xmlns="" xmlns:a16="http://schemas.microsoft.com/office/drawing/2014/main" id="{B2966ED9-413D-4DAE-901A-C33E6AC395AC}"/>
               </a:ext>
             </a:extLst>
           </p:cNvPr>
@@ -7086,7 +7086,7 @@
           <p:cNvPr id="3" name="Content Placeholder 2">
             <a:extLst>
               <a:ext uri="{FF2B5EF4-FFF2-40B4-BE49-F238E27FC236}">
-                <a16:creationId xmlns:a16="http://schemas.microsoft.com/office/drawing/2014/main" xmlns="" id="{CB066C80-3118-4DB8-9D0E-4223114DFB3D}"/>
+                <a16:creationId xmlns="" xmlns:a16="http://schemas.microsoft.com/office/drawing/2014/main" id="{CB066C80-3118-4DB8-9D0E-4223114DFB3D}"/>
               </a:ext>
             </a:extLst>
           </p:cNvPr>
@@ -7128,7 +7128,7 @@
           <p:cNvPr id="1026" name="Picture 2" descr="Servlet HTTP5">
             <a:extLst>
               <a:ext uri="{FF2B5EF4-FFF2-40B4-BE49-F238E27FC236}">
-                <a16:creationId xmlns:a16="http://schemas.microsoft.com/office/drawing/2014/main" xmlns="" id="{80B23009-BAD8-44B8-930B-EB36945D366E}"/>
+                <a16:creationId xmlns="" xmlns:a16="http://schemas.microsoft.com/office/drawing/2014/main" id="{80B23009-BAD8-44B8-930B-EB36945D366E}"/>
               </a:ext>
             </a:extLst>
           </p:cNvPr>
@@ -7239,7 +7239,7 @@
           <p:cNvPr id="2" name="Title 1">
             <a:extLst>
               <a:ext uri="{FF2B5EF4-FFF2-40B4-BE49-F238E27FC236}">
-                <a16:creationId xmlns:a16="http://schemas.microsoft.com/office/drawing/2014/main" xmlns="" id="{03EAA0F7-5768-44A4-92FD-4081893ECB2B}"/>
+                <a16:creationId xmlns="" xmlns:a16="http://schemas.microsoft.com/office/drawing/2014/main" id="{03EAA0F7-5768-44A4-92FD-4081893ECB2B}"/>
               </a:ext>
             </a:extLst>
           </p:cNvPr>
@@ -7267,7 +7267,7 @@
           <p:cNvPr id="4" name="Table 3">
             <a:extLst>
               <a:ext uri="{FF2B5EF4-FFF2-40B4-BE49-F238E27FC236}">
-                <a16:creationId xmlns:a16="http://schemas.microsoft.com/office/drawing/2014/main" xmlns="" id="{64A3409B-FE8D-4755-AB66-3D7C6C74C344}"/>
+                <a16:creationId xmlns="" xmlns:a16="http://schemas.microsoft.com/office/drawing/2014/main" id="{64A3409B-FE8D-4755-AB66-3D7C6C74C344}"/>
               </a:ext>
             </a:extLst>
           </p:cNvPr>
@@ -7296,14 +7296,14 @@
                 <a:gridCol w="4506686">
                   <a:extLst>
                     <a:ext uri="{9D8B030D-6E8A-4147-A177-3AD203B41FA5}">
-                      <a16:colId xmlns:a16="http://schemas.microsoft.com/office/drawing/2014/main" xmlns="" val="2121080118"/>
+                      <a16:colId xmlns="" xmlns:a16="http://schemas.microsoft.com/office/drawing/2014/main" val="2121080118"/>
                     </a:ext>
                   </a:extLst>
                 </a:gridCol>
                 <a:gridCol w="4506686">
                   <a:extLst>
                     <a:ext uri="{9D8B030D-6E8A-4147-A177-3AD203B41FA5}">
-                      <a16:colId xmlns:a16="http://schemas.microsoft.com/office/drawing/2014/main" xmlns="" val="2280304160"/>
+                      <a16:colId xmlns="" xmlns:a16="http://schemas.microsoft.com/office/drawing/2014/main" val="2280304160"/>
                     </a:ext>
                   </a:extLst>
                 </a:gridCol>
@@ -7357,7 +7357,7 @@
                 </a:tc>
                 <a:extLst>
                   <a:ext uri="{0D108BD9-81ED-4DB2-BD59-A6C34878D82A}">
-                    <a16:rowId xmlns:a16="http://schemas.microsoft.com/office/drawing/2014/main" xmlns="" val="198113638"/>
+                    <a16:rowId xmlns="" xmlns:a16="http://schemas.microsoft.com/office/drawing/2014/main" val="198113638"/>
                   </a:ext>
                 </a:extLst>
               </a:tr>
@@ -7452,7 +7452,7 @@
                 </a:tc>
                 <a:extLst>
                   <a:ext uri="{0D108BD9-81ED-4DB2-BD59-A6C34878D82A}">
-                    <a16:rowId xmlns:a16="http://schemas.microsoft.com/office/drawing/2014/main" xmlns="" val="548941632"/>
+                    <a16:rowId xmlns="" xmlns:a16="http://schemas.microsoft.com/office/drawing/2014/main" val="548941632"/>
                   </a:ext>
                 </a:extLst>
               </a:tr>
@@ -7535,7 +7535,7 @@
                 </a:tc>
                 <a:extLst>
                   <a:ext uri="{0D108BD9-81ED-4DB2-BD59-A6C34878D82A}">
-                    <a16:rowId xmlns:a16="http://schemas.microsoft.com/office/drawing/2014/main" xmlns="" val="1357003202"/>
+                    <a16:rowId xmlns="" xmlns:a16="http://schemas.microsoft.com/office/drawing/2014/main" val="1357003202"/>
                   </a:ext>
                 </a:extLst>
               </a:tr>
@@ -7618,7 +7618,7 @@
                 </a:tc>
                 <a:extLst>
                   <a:ext uri="{0D108BD9-81ED-4DB2-BD59-A6C34878D82A}">
-                    <a16:rowId xmlns:a16="http://schemas.microsoft.com/office/drawing/2014/main" xmlns="" val="4126723987"/>
+                    <a16:rowId xmlns="" xmlns:a16="http://schemas.microsoft.com/office/drawing/2014/main" val="4126723987"/>
                   </a:ext>
                 </a:extLst>
               </a:tr>
@@ -7701,7 +7701,7 @@
                 </a:tc>
                 <a:extLst>
                   <a:ext uri="{0D108BD9-81ED-4DB2-BD59-A6C34878D82A}">
-                    <a16:rowId xmlns:a16="http://schemas.microsoft.com/office/drawing/2014/main" xmlns="" val="3706519161"/>
+                    <a16:rowId xmlns="" xmlns:a16="http://schemas.microsoft.com/office/drawing/2014/main" val="3706519161"/>
                   </a:ext>
                 </a:extLst>
               </a:tr>
@@ -8126,7 +8126,7 @@
           <p:cNvPr id="3" name="Content Placeholder 2">
             <a:extLst>
               <a:ext uri="{FF2B5EF4-FFF2-40B4-BE49-F238E27FC236}">
-                <a16:creationId xmlns:a16="http://schemas.microsoft.com/office/drawing/2014/main" xmlns="" id="{FCD9EBD5-1BAA-42E6-80F6-FEC346D38DC9}"/>
+                <a16:creationId xmlns="" xmlns:a16="http://schemas.microsoft.com/office/drawing/2014/main" id="{FCD9EBD5-1BAA-42E6-80F6-FEC346D38DC9}"/>
               </a:ext>
             </a:extLst>
           </p:cNvPr>
@@ -8342,7 +8342,7 @@
           <p:cNvPr id="3074" name="Picture 2" descr="directory structure of jsp">
             <a:extLst>
               <a:ext uri="{FF2B5EF4-FFF2-40B4-BE49-F238E27FC236}">
-                <a16:creationId xmlns:a16="http://schemas.microsoft.com/office/drawing/2014/main" xmlns="" id="{75F2CCE4-8BE4-45F3-BB54-05947BAB7C1E}"/>
+                <a16:creationId xmlns="" xmlns:a16="http://schemas.microsoft.com/office/drawing/2014/main" id="{75F2CCE4-8BE4-45F3-BB54-05947BAB7C1E}"/>
               </a:ext>
             </a:extLst>
           </p:cNvPr>
@@ -8588,7 +8588,7 @@
           <p:cNvPr id="2" name="Title 1">
             <a:extLst>
               <a:ext uri="{FF2B5EF4-FFF2-40B4-BE49-F238E27FC236}">
-                <a16:creationId xmlns:a16="http://schemas.microsoft.com/office/drawing/2014/main" xmlns="" id="{0D30F009-7DDF-40BA-94EF-BBEA715F456A}"/>
+                <a16:creationId xmlns="" xmlns:a16="http://schemas.microsoft.com/office/drawing/2014/main" id="{0D30F009-7DDF-40BA-94EF-BBEA715F456A}"/>
               </a:ext>
             </a:extLst>
           </p:cNvPr>
@@ -8616,7 +8616,7 @@
           <p:cNvPr id="3" name="Content Placeholder 2">
             <a:extLst>
               <a:ext uri="{FF2B5EF4-FFF2-40B4-BE49-F238E27FC236}">
-                <a16:creationId xmlns:a16="http://schemas.microsoft.com/office/drawing/2014/main" xmlns="" id="{133209E5-6D61-4C92-9875-B82FB46580F1}"/>
+                <a16:creationId xmlns="" xmlns:a16="http://schemas.microsoft.com/office/drawing/2014/main" id="{133209E5-6D61-4C92-9875-B82FB46580F1}"/>
               </a:ext>
             </a:extLst>
           </p:cNvPr>
@@ -8731,7 +8731,7 @@
           <p:cNvPr id="2" name="Title 1">
             <a:extLst>
               <a:ext uri="{FF2B5EF4-FFF2-40B4-BE49-F238E27FC236}">
-                <a16:creationId xmlns:a16="http://schemas.microsoft.com/office/drawing/2014/main" xmlns="" id="{84EEEC13-BCA7-4432-97C8-5C0FBDF05D46}"/>
+                <a16:creationId xmlns="" xmlns:a16="http://schemas.microsoft.com/office/drawing/2014/main" id="{84EEEC13-BCA7-4432-97C8-5C0FBDF05D46}"/>
               </a:ext>
             </a:extLst>
           </p:cNvPr>
@@ -8759,7 +8759,7 @@
           <p:cNvPr id="3" name="Content Placeholder 2">
             <a:extLst>
               <a:ext uri="{FF2B5EF4-FFF2-40B4-BE49-F238E27FC236}">
-                <a16:creationId xmlns:a16="http://schemas.microsoft.com/office/drawing/2014/main" xmlns="" id="{39FCD023-7525-40FC-A2FD-6527E4F96F0D}"/>
+                <a16:creationId xmlns="" xmlns:a16="http://schemas.microsoft.com/office/drawing/2014/main" id="{39FCD023-7525-40FC-A2FD-6527E4F96F0D}"/>
               </a:ext>
             </a:extLst>
           </p:cNvPr>
@@ -8821,7 +8821,7 @@
           <p:cNvPr id="4098" name="Picture 2" descr="model 1 architecture">
             <a:extLst>
               <a:ext uri="{FF2B5EF4-FFF2-40B4-BE49-F238E27FC236}">
-                <a16:creationId xmlns:a16="http://schemas.microsoft.com/office/drawing/2014/main" xmlns="" id="{44D1247C-D710-475A-8313-D9DDD72777F3}"/>
+                <a16:creationId xmlns="" xmlns:a16="http://schemas.microsoft.com/office/drawing/2014/main" id="{44D1247C-D710-475A-8313-D9DDD72777F3}"/>
               </a:ext>
             </a:extLst>
           </p:cNvPr>
@@ -8932,7 +8932,7 @@
           <p:cNvPr id="2" name="Title 1">
             <a:extLst>
               <a:ext uri="{FF2B5EF4-FFF2-40B4-BE49-F238E27FC236}">
-                <a16:creationId xmlns:a16="http://schemas.microsoft.com/office/drawing/2014/main" xmlns="" id="{5B56716C-CF2D-4821-B03C-49E2DBCA6C72}"/>
+                <a16:creationId xmlns="" xmlns:a16="http://schemas.microsoft.com/office/drawing/2014/main" id="{5B56716C-CF2D-4821-B03C-49E2DBCA6C72}"/>
               </a:ext>
             </a:extLst>
           </p:cNvPr>
@@ -8960,7 +8960,7 @@
           <p:cNvPr id="5124" name="Picture 4" descr="mvc architecture">
             <a:extLst>
               <a:ext uri="{FF2B5EF4-FFF2-40B4-BE49-F238E27FC236}">
-                <a16:creationId xmlns:a16="http://schemas.microsoft.com/office/drawing/2014/main" xmlns="" id="{113D347F-515D-4328-9F96-200D4A955D00}"/>
+                <a16:creationId xmlns="" xmlns:a16="http://schemas.microsoft.com/office/drawing/2014/main" id="{113D347F-515D-4328-9F96-200D4A955D00}"/>
               </a:ext>
             </a:extLst>
           </p:cNvPr>
@@ -9031,7 +9031,7 @@
           <p:cNvPr id="7" name="Content Placeholder 2">
             <a:extLst>
               <a:ext uri="{FF2B5EF4-FFF2-40B4-BE49-F238E27FC236}">
-                <a16:creationId xmlns:a16="http://schemas.microsoft.com/office/drawing/2014/main" xmlns="" id="{E90C6C36-A9CA-429D-9B35-CA916104B100}"/>
+                <a16:creationId xmlns="" xmlns:a16="http://schemas.microsoft.com/office/drawing/2014/main" id="{E90C6C36-A9CA-429D-9B35-CA916104B100}"/>
               </a:ext>
             </a:extLst>
           </p:cNvPr>
@@ -10989,7 +10989,7 @@
   <a:extraClrSchemeLst/>
   <a:extLst>
     <a:ext uri="{05A4C25C-085E-4340-85A3-A5531E510DB2}">
-      <thm15:themeFamily xmlns="" xmlns:thm15="http://schemas.microsoft.com/office/thememl/2012/main" name="Frame" id="{F226E7A2-7162-461C-9490-D27D9DC04E43}" vid="{629A0216-3BBD-45C0-B63F-2683BEA18F60}"/>
+      <thm15:themeFamily xmlns:thm15="http://schemas.microsoft.com/office/thememl/2012/main" xmlns="" name="Frame" id="{F226E7A2-7162-461C-9490-D27D9DC04E43}" vid="{629A0216-3BBD-45C0-B63F-2683BEA18F60}"/>
     </a:ext>
   </a:extLst>
 </a:theme>
@@ -11250,7 +11250,7 @@
   <a:extraClrSchemeLst/>
   <a:extLst>
     <a:ext uri="{05A4C25C-085E-4340-85A3-A5531E510DB2}">
-      <thm15:themeFamily xmlns="" xmlns:thm15="http://schemas.microsoft.com/office/thememl/2012/main" name="Office Theme" id="{62F939B6-93AF-4DB8-9C6B-D6C7DFDC589F}" vid="{4A3C46E8-61CC-4603-A589-7422A47A8E4A}"/>
+      <thm15:themeFamily xmlns:thm15="http://schemas.microsoft.com/office/thememl/2012/main" xmlns="" name="Office Theme" id="{62F939B6-93AF-4DB8-9C6B-D6C7DFDC589F}" vid="{4A3C46E8-61CC-4603-A589-7422A47A8E4A}"/>
     </a:ext>
   </a:extLst>
 </a:theme>
@@ -11511,7 +11511,7 @@
   <a:extraClrSchemeLst/>
   <a:extLst>
     <a:ext uri="{05A4C25C-085E-4340-85A3-A5531E510DB2}">
-      <thm15:themeFamily xmlns="" xmlns:thm15="http://schemas.microsoft.com/office/thememl/2012/main" name="Office Theme" id="{62F939B6-93AF-4DB8-9C6B-D6C7DFDC589F}" vid="{4A3C46E8-61CC-4603-A589-7422A47A8E4A}"/>
+      <thm15:themeFamily xmlns:thm15="http://schemas.microsoft.com/office/thememl/2012/main" xmlns="" name="Office Theme" id="{62F939B6-93AF-4DB8-9C6B-D6C7DFDC589F}" vid="{4A3C46E8-61CC-4603-A589-7422A47A8E4A}"/>
     </a:ext>
   </a:extLst>
 </a:theme>
